--- a/report and slide/Medico_edited.pptx
+++ b/report and slide/Medico_edited.pptx
@@ -16,17 +16,18 @@
     <p:sldId id="263" r:id="rId9"/>
     <p:sldId id="264" r:id="rId10"/>
     <p:sldId id="266" r:id="rId11"/>
-    <p:sldId id="267" r:id="rId12"/>
-    <p:sldId id="268" r:id="rId13"/>
-    <p:sldId id="269" r:id="rId14"/>
-    <p:sldId id="270" r:id="rId15"/>
-    <p:sldId id="272" r:id="rId16"/>
-    <p:sldId id="274" r:id="rId17"/>
-    <p:sldId id="275" r:id="rId18"/>
-    <p:sldId id="276" r:id="rId19"/>
-    <p:sldId id="277" r:id="rId20"/>
-    <p:sldId id="278" r:id="rId21"/>
-    <p:sldId id="279" r:id="rId22"/>
+    <p:sldId id="280" r:id="rId12"/>
+    <p:sldId id="267" r:id="rId13"/>
+    <p:sldId id="268" r:id="rId14"/>
+    <p:sldId id="269" r:id="rId15"/>
+    <p:sldId id="270" r:id="rId16"/>
+    <p:sldId id="272" r:id="rId17"/>
+    <p:sldId id="274" r:id="rId18"/>
+    <p:sldId id="275" r:id="rId19"/>
+    <p:sldId id="276" r:id="rId20"/>
+    <p:sldId id="277" r:id="rId21"/>
+    <p:sldId id="278" r:id="rId22"/>
+    <p:sldId id="279" r:id="rId23"/>
   </p:sldIdLst>
   <p:sldSz cx="12192000" cy="6858000"/>
   <p:notesSz cx="6858000" cy="9144000"/>
@@ -36807,6 +36808,477 @@
                 <a:latin typeface="Times New Roman" panose="02020603050405020304" pitchFamily="18" charset="0"/>
                 <a:cs typeface="Times New Roman" panose="02020603050405020304" pitchFamily="18" charset="0"/>
               </a:rPr>
+              <a:t>Software Requirements </a:t>
+            </a:r>
+            <a:endParaRPr dirty="0"/>
+          </a:p>
+        </p:txBody>
+      </p:sp>
+      <p:sp>
+        <p:nvSpPr>
+          <p:cNvPr id="1016" name="Google Shape;1016;p37"/>
+          <p:cNvSpPr txBox="1">
+            <a:spLocks noGrp="1"/>
+          </p:cNvSpPr>
+          <p:nvPr>
+            <p:ph type="body" idx="1"/>
+          </p:nvPr>
+        </p:nvSpPr>
+        <p:spPr>
+          <a:xfrm>
+            <a:off x="960000" y="1536633"/>
+            <a:ext cx="10272000" cy="4555200"/>
+          </a:xfrm>
+          <a:prstGeom prst="rect">
+            <a:avLst/>
+          </a:prstGeom>
+          <a:noFill/>
+          <a:ln>
+            <a:noFill/>
+          </a:ln>
+        </p:spPr>
+        <p:txBody>
+          <a:bodyPr spcFirstLastPara="1" wrap="square" lIns="121900" tIns="121900" rIns="121900" bIns="121900" anchor="t" anchorCtr="0">
+            <a:noAutofit/>
+          </a:bodyPr>
+          <a:lstStyle/>
+          <a:p>
+            <a:pPr marL="342900" indent="-342900" algn="just">
+              <a:buFont typeface="Wingdings" panose="05000000000000000000" pitchFamily="2" charset="2"/>
+              <a:buChar char="q"/>
+            </a:pPr>
+            <a:r>
+              <a:rPr lang="en-US" sz="2400" b="1" dirty="0" smtClean="0">
+                <a:solidFill>
+                  <a:schemeClr val="tx2">
+                    <a:lumMod val="10000"/>
+                  </a:schemeClr>
+                </a:solidFill>
+                <a:latin typeface="Times New Roman" panose="02020603050405020304" pitchFamily="18" charset="0"/>
+                <a:cs typeface="Times New Roman" panose="02020603050405020304" pitchFamily="18" charset="0"/>
+              </a:rPr>
+              <a:t>Front End : </a:t>
+            </a:r>
+            <a:r>
+              <a:rPr lang="en-US" sz="2400" dirty="0" smtClean="0">
+                <a:solidFill>
+                  <a:schemeClr val="tx2">
+                    <a:lumMod val="10000"/>
+                  </a:schemeClr>
+                </a:solidFill>
+                <a:latin typeface="Times New Roman" panose="02020603050405020304" pitchFamily="18" charset="0"/>
+                <a:cs typeface="Times New Roman" panose="02020603050405020304" pitchFamily="18" charset="0"/>
+              </a:rPr>
+              <a:t>HTML, CSS, JavaScript</a:t>
+            </a:r>
+            <a:endParaRPr lang="en-US" sz="2400" dirty="0" smtClean="0">
+              <a:solidFill>
+                <a:schemeClr val="tx2">
+                  <a:lumMod val="10000"/>
+                </a:schemeClr>
+              </a:solidFill>
+              <a:latin typeface="Times New Roman" panose="02020603050405020304" pitchFamily="18" charset="0"/>
+              <a:cs typeface="Times New Roman" panose="02020603050405020304" pitchFamily="18" charset="0"/>
+            </a:endParaRPr>
+          </a:p>
+          <a:p>
+            <a:pPr marL="342900" indent="-342900" algn="just">
+              <a:lnSpc>
+                <a:spcPct val="150000"/>
+              </a:lnSpc>
+              <a:buFont typeface="Wingdings" panose="05000000000000000000" pitchFamily="2" charset="2"/>
+              <a:buChar char="q"/>
+            </a:pPr>
+            <a:r>
+              <a:rPr lang="en-US" sz="2400" b="1" dirty="0" smtClean="0">
+                <a:solidFill>
+                  <a:schemeClr val="tx2">
+                    <a:lumMod val="10000"/>
+                  </a:schemeClr>
+                </a:solidFill>
+                <a:latin typeface="Times New Roman" panose="02020603050405020304" pitchFamily="18" charset="0"/>
+                <a:cs typeface="Times New Roman" panose="02020603050405020304" pitchFamily="18" charset="0"/>
+              </a:rPr>
+              <a:t>Back End : </a:t>
+            </a:r>
+            <a:r>
+              <a:rPr lang="en-US" sz="2400" dirty="0" smtClean="0">
+                <a:solidFill>
+                  <a:schemeClr val="tx2">
+                    <a:lumMod val="10000"/>
+                  </a:schemeClr>
+                </a:solidFill>
+                <a:latin typeface="Times New Roman" panose="02020603050405020304" pitchFamily="18" charset="0"/>
+                <a:cs typeface="Times New Roman" panose="02020603050405020304" pitchFamily="18" charset="0"/>
+              </a:rPr>
+              <a:t>Python, C#</a:t>
+            </a:r>
+            <a:endParaRPr lang="en-US" sz="2400" dirty="0" smtClean="0">
+              <a:solidFill>
+                <a:schemeClr val="tx2">
+                  <a:lumMod val="10000"/>
+                </a:schemeClr>
+              </a:solidFill>
+              <a:latin typeface="Times New Roman" panose="02020603050405020304" pitchFamily="18" charset="0"/>
+              <a:cs typeface="Times New Roman" panose="02020603050405020304" pitchFamily="18" charset="0"/>
+            </a:endParaRPr>
+          </a:p>
+          <a:p>
+            <a:pPr marL="342900" indent="-342900" algn="just">
+              <a:lnSpc>
+                <a:spcPct val="150000"/>
+              </a:lnSpc>
+              <a:buFont typeface="Wingdings" panose="05000000000000000000" pitchFamily="2" charset="2"/>
+              <a:buChar char="q"/>
+            </a:pPr>
+            <a:r>
+              <a:rPr lang="en-US" sz="2400" b="1" dirty="0" smtClean="0">
+                <a:solidFill>
+                  <a:schemeClr val="tx2">
+                    <a:lumMod val="10000"/>
+                  </a:schemeClr>
+                </a:solidFill>
+                <a:latin typeface="Times New Roman" panose="02020603050405020304" pitchFamily="18" charset="0"/>
+                <a:cs typeface="Times New Roman" panose="02020603050405020304" pitchFamily="18" charset="0"/>
+              </a:rPr>
+              <a:t>Database : </a:t>
+            </a:r>
+            <a:r>
+              <a:rPr lang="en-US" sz="2400" dirty="0" smtClean="0">
+                <a:solidFill>
+                  <a:schemeClr val="tx2">
+                    <a:lumMod val="10000"/>
+                  </a:schemeClr>
+                </a:solidFill>
+                <a:latin typeface="Times New Roman" panose="02020603050405020304" pitchFamily="18" charset="0"/>
+                <a:cs typeface="Times New Roman" panose="02020603050405020304" pitchFamily="18" charset="0"/>
+              </a:rPr>
+              <a:t>MySql</a:t>
+            </a:r>
+            <a:endParaRPr lang="en-US" sz="2400" b="1" dirty="0">
+              <a:solidFill>
+                <a:schemeClr val="tx2">
+                  <a:lumMod val="10000"/>
+                </a:schemeClr>
+              </a:solidFill>
+              <a:latin typeface="Times New Roman" panose="02020603050405020304" pitchFamily="18" charset="0"/>
+              <a:cs typeface="Times New Roman" panose="02020603050405020304" pitchFamily="18" charset="0"/>
+            </a:endParaRPr>
+          </a:p>
+          <a:p>
+            <a:pPr marL="342900" indent="-342900" algn="just">
+              <a:lnSpc>
+                <a:spcPct val="150000"/>
+              </a:lnSpc>
+              <a:buFont typeface="Wingdings" panose="05000000000000000000" pitchFamily="2" charset="2"/>
+              <a:buChar char="q"/>
+            </a:pPr>
+            <a:r>
+              <a:rPr lang="en-US" sz="2400" b="1" dirty="0" smtClean="0">
+                <a:solidFill>
+                  <a:schemeClr val="tx2">
+                    <a:lumMod val="10000"/>
+                  </a:schemeClr>
+                </a:solidFill>
+                <a:latin typeface="Times New Roman" panose="02020603050405020304" pitchFamily="18" charset="0"/>
+                <a:cs typeface="Times New Roman" panose="02020603050405020304" pitchFamily="18" charset="0"/>
+              </a:rPr>
+              <a:t>Tools : </a:t>
+            </a:r>
+            <a:r>
+              <a:rPr lang="en-US" sz="2400" dirty="0" smtClean="0">
+                <a:solidFill>
+                  <a:schemeClr val="tx2">
+                    <a:lumMod val="10000"/>
+                  </a:schemeClr>
+                </a:solidFill>
+                <a:latin typeface="Times New Roman" panose="02020603050405020304" pitchFamily="18" charset="0"/>
+                <a:cs typeface="Times New Roman" panose="02020603050405020304" pitchFamily="18" charset="0"/>
+              </a:rPr>
+              <a:t>Visual Studio Code, </a:t>
+            </a:r>
+            <a:r>
+              <a:rPr lang="en-US" sz="2400" dirty="0" err="1" smtClean="0">
+                <a:solidFill>
+                  <a:schemeClr val="tx2">
+                    <a:lumMod val="10000"/>
+                  </a:schemeClr>
+                </a:solidFill>
+                <a:latin typeface="Times New Roman" panose="02020603050405020304" pitchFamily="18" charset="0"/>
+                <a:cs typeface="Times New Roman" panose="02020603050405020304" pitchFamily="18" charset="0"/>
+              </a:rPr>
+              <a:t>Pycharm</a:t>
+            </a:r>
+            <a:r>
+              <a:rPr lang="en-US" sz="2400" dirty="0" smtClean="0">
+                <a:solidFill>
+                  <a:schemeClr val="tx2">
+                    <a:lumMod val="10000"/>
+                  </a:schemeClr>
+                </a:solidFill>
+                <a:latin typeface="Times New Roman" panose="02020603050405020304" pitchFamily="18" charset="0"/>
+                <a:cs typeface="Times New Roman" panose="02020603050405020304" pitchFamily="18" charset="0"/>
+              </a:rPr>
+              <a:t> IDE</a:t>
+            </a:r>
+            <a:endParaRPr sz="2400" dirty="0">
+              <a:solidFill>
+                <a:schemeClr val="tx2">
+                  <a:lumMod val="10000"/>
+                </a:schemeClr>
+              </a:solidFill>
+              <a:latin typeface="Times New Roman" panose="02020603050405020304" pitchFamily="18" charset="0"/>
+              <a:cs typeface="Times New Roman" panose="02020603050405020304" pitchFamily="18" charset="0"/>
+            </a:endParaRPr>
+          </a:p>
+        </p:txBody>
+      </p:sp>
+      <p:sp>
+        <p:nvSpPr>
+          <p:cNvPr id="4" name="TextBox 3"/>
+          <p:cNvSpPr txBox="1"/>
+          <p:nvPr/>
+        </p:nvSpPr>
+        <p:spPr>
+          <a:xfrm>
+            <a:off x="3753134" y="6446464"/>
+            <a:ext cx="4722126" cy="369332"/>
+          </a:xfrm>
+          <a:prstGeom prst="rect">
+            <a:avLst/>
+          </a:prstGeom>
+          <a:noFill/>
+        </p:spPr>
+        <p:txBody>
+          <a:bodyPr wrap="square" rtlCol="0">
+            <a:spAutoFit/>
+          </a:bodyPr>
+          <a:lstStyle/>
+          <a:p>
+            <a:pPr algn="ctr" defTabSz="457200"/>
+            <a:r>
+              <a:rPr lang="de-DE" dirty="0" smtClean="0">
+                <a:solidFill>
+                  <a:srgbClr val="1C3567"/>
+                </a:solidFill>
+                <a:latin typeface="Times New Roman" panose="02020603050405020304" pitchFamily="18" charset="0"/>
+                <a:cs typeface="Times New Roman" panose="02020603050405020304" pitchFamily="18" charset="0"/>
+              </a:rPr>
+              <a:t>Medico</a:t>
+            </a:r>
+            <a:endParaRPr lang="en-US" dirty="0">
+              <a:solidFill>
+                <a:srgbClr val="1C3567"/>
+              </a:solidFill>
+              <a:latin typeface="Times New Roman" panose="02020603050405020304" pitchFamily="18" charset="0"/>
+              <a:cs typeface="Times New Roman" panose="02020603050405020304" pitchFamily="18" charset="0"/>
+            </a:endParaRPr>
+          </a:p>
+        </p:txBody>
+      </p:sp>
+      <p:sp>
+        <p:nvSpPr>
+          <p:cNvPr id="5" name="Slide Number Placeholder 20"/>
+          <p:cNvSpPr txBox="1"/>
+          <p:nvPr/>
+        </p:nvSpPr>
+        <p:spPr>
+          <a:xfrm>
+            <a:off x="9900458" y="6459785"/>
+            <a:ext cx="1312025" cy="365125"/>
+          </a:xfrm>
+          <a:prstGeom prst="rect">
+            <a:avLst/>
+          </a:prstGeom>
+        </p:spPr>
+        <p:txBody>
+          <a:bodyPr/>
+          <a:lstStyle>
+            <a:defPPr>
+              <a:defRPr lang="en-US"/>
+            </a:defPPr>
+            <a:lvl1pPr marL="0" algn="l" defTabSz="914400" rtl="0" eaLnBrk="1" latinLnBrk="0" hangingPunct="1">
+              <a:defRPr sz="1800" kern="1200">
+                <a:solidFill>
+                  <a:schemeClr val="tx1"/>
+                </a:solidFill>
+                <a:latin typeface="+mn-lt"/>
+                <a:ea typeface="+mn-ea"/>
+                <a:cs typeface="+mn-cs"/>
+              </a:defRPr>
+            </a:lvl1pPr>
+            <a:lvl2pPr marL="457200" algn="l" defTabSz="914400" rtl="0" eaLnBrk="1" latinLnBrk="0" hangingPunct="1">
+              <a:defRPr sz="1800" kern="1200">
+                <a:solidFill>
+                  <a:schemeClr val="tx1"/>
+                </a:solidFill>
+                <a:latin typeface="+mn-lt"/>
+                <a:ea typeface="+mn-ea"/>
+                <a:cs typeface="+mn-cs"/>
+              </a:defRPr>
+            </a:lvl2pPr>
+            <a:lvl3pPr marL="914400" algn="l" defTabSz="914400" rtl="0" eaLnBrk="1" latinLnBrk="0" hangingPunct="1">
+              <a:defRPr sz="1800" kern="1200">
+                <a:solidFill>
+                  <a:schemeClr val="tx1"/>
+                </a:solidFill>
+                <a:latin typeface="+mn-lt"/>
+                <a:ea typeface="+mn-ea"/>
+                <a:cs typeface="+mn-cs"/>
+              </a:defRPr>
+            </a:lvl3pPr>
+            <a:lvl4pPr marL="1371600" algn="l" defTabSz="914400" rtl="0" eaLnBrk="1" latinLnBrk="0" hangingPunct="1">
+              <a:defRPr sz="1800" kern="1200">
+                <a:solidFill>
+                  <a:schemeClr val="tx1"/>
+                </a:solidFill>
+                <a:latin typeface="+mn-lt"/>
+                <a:ea typeface="+mn-ea"/>
+                <a:cs typeface="+mn-cs"/>
+              </a:defRPr>
+            </a:lvl4pPr>
+            <a:lvl5pPr marL="1828800" algn="l" defTabSz="914400" rtl="0" eaLnBrk="1" latinLnBrk="0" hangingPunct="1">
+              <a:defRPr sz="1800" kern="1200">
+                <a:solidFill>
+                  <a:schemeClr val="tx1"/>
+                </a:solidFill>
+                <a:latin typeface="+mn-lt"/>
+                <a:ea typeface="+mn-ea"/>
+                <a:cs typeface="+mn-cs"/>
+              </a:defRPr>
+            </a:lvl5pPr>
+            <a:lvl6pPr marL="2286000" algn="l" defTabSz="914400" rtl="0" eaLnBrk="1" latinLnBrk="0" hangingPunct="1">
+              <a:defRPr sz="1800" kern="1200">
+                <a:solidFill>
+                  <a:schemeClr val="tx1"/>
+                </a:solidFill>
+                <a:latin typeface="+mn-lt"/>
+                <a:ea typeface="+mn-ea"/>
+                <a:cs typeface="+mn-cs"/>
+              </a:defRPr>
+            </a:lvl6pPr>
+            <a:lvl7pPr marL="2743200" algn="l" defTabSz="914400" rtl="0" eaLnBrk="1" latinLnBrk="0" hangingPunct="1">
+              <a:defRPr sz="1800" kern="1200">
+                <a:solidFill>
+                  <a:schemeClr val="tx1"/>
+                </a:solidFill>
+                <a:latin typeface="+mn-lt"/>
+                <a:ea typeface="+mn-ea"/>
+                <a:cs typeface="+mn-cs"/>
+              </a:defRPr>
+            </a:lvl7pPr>
+            <a:lvl8pPr marL="3200400" algn="l" defTabSz="914400" rtl="0" eaLnBrk="1" latinLnBrk="0" hangingPunct="1">
+              <a:defRPr sz="1800" kern="1200">
+                <a:solidFill>
+                  <a:schemeClr val="tx1"/>
+                </a:solidFill>
+                <a:latin typeface="+mn-lt"/>
+                <a:ea typeface="+mn-ea"/>
+                <a:cs typeface="+mn-cs"/>
+              </a:defRPr>
+            </a:lvl8pPr>
+            <a:lvl9pPr marL="3657600" algn="l" defTabSz="914400" rtl="0" eaLnBrk="1" latinLnBrk="0" hangingPunct="1">
+              <a:defRPr sz="1800" kern="1200">
+                <a:solidFill>
+                  <a:schemeClr val="tx1"/>
+                </a:solidFill>
+                <a:latin typeface="+mn-lt"/>
+                <a:ea typeface="+mn-ea"/>
+                <a:cs typeface="+mn-cs"/>
+              </a:defRPr>
+            </a:lvl9pPr>
+          </a:lstStyle>
+          <a:p>
+            <a:pPr algn="r"/>
+            <a:r>
+              <a:rPr lang="en-US" dirty="0" smtClean="0">
+                <a:solidFill>
+                  <a:srgbClr val="1C3567"/>
+                </a:solidFill>
+                <a:latin typeface="Times New Roman" panose="02020603050405020304" pitchFamily="18" charset="0"/>
+                <a:cs typeface="Times New Roman" panose="02020603050405020304" pitchFamily="18" charset="0"/>
+              </a:rPr>
+              <a:t>07</a:t>
+            </a:r>
+            <a:endParaRPr lang="en-US" dirty="0">
+              <a:solidFill>
+                <a:srgbClr val="1C3567"/>
+              </a:solidFill>
+              <a:latin typeface="Times New Roman" panose="02020603050405020304" pitchFamily="18" charset="0"/>
+              <a:cs typeface="Times New Roman" panose="02020603050405020304" pitchFamily="18" charset="0"/>
+            </a:endParaRPr>
+          </a:p>
+        </p:txBody>
+      </p:sp>
+    </p:spTree>
+  </p:cSld>
+  <p:clrMapOvr>
+    <a:masterClrMapping/>
+  </p:clrMapOvr>
+  <p:timing>
+    <p:tnLst>
+      <p:par>
+        <p:cTn id="1" dur="indefinite" restart="never" nodeType="tmRoot"/>
+      </p:par>
+    </p:tnLst>
+  </p:timing>
+</p:sld>
+</file>
+
+<file path=ppt/slides/slide11.xml><?xml version="1.0" encoding="utf-8"?>
+<p:sld xmlns:a="http://schemas.openxmlformats.org/drawingml/2006/main" xmlns:r="http://schemas.openxmlformats.org/officeDocument/2006/relationships" xmlns:p="http://schemas.openxmlformats.org/presentationml/2006/main">
+  <p:cSld>
+    <p:spTree>
+      <p:nvGrpSpPr>
+        <p:cNvPr id="1" name="Shape 1014"/>
+        <p:cNvGrpSpPr/>
+        <p:nvPr/>
+      </p:nvGrpSpPr>
+      <p:grpSpPr>
+        <a:xfrm>
+          <a:off x="0" y="0"/>
+          <a:ext cx="0" cy="0"/>
+          <a:chOff x="0" y="0"/>
+          <a:chExt cx="0" cy="0"/>
+        </a:xfrm>
+      </p:grpSpPr>
+      <p:sp>
+        <p:nvSpPr>
+          <p:cNvPr id="1015" name="Google Shape;1015;p37"/>
+          <p:cNvSpPr txBox="1">
+            <a:spLocks noGrp="1"/>
+          </p:cNvSpPr>
+          <p:nvPr>
+            <p:ph type="title"/>
+          </p:nvPr>
+        </p:nvSpPr>
+        <p:spPr>
+          <a:xfrm>
+            <a:off x="960000" y="593367"/>
+            <a:ext cx="10272000" cy="763600"/>
+          </a:xfrm>
+          <a:prstGeom prst="rect">
+            <a:avLst/>
+          </a:prstGeom>
+          <a:noFill/>
+          <a:ln>
+            <a:noFill/>
+          </a:ln>
+        </p:spPr>
+        <p:txBody>
+          <a:bodyPr spcFirstLastPara="1" wrap="square" lIns="121900" tIns="121900" rIns="121900" bIns="121900" anchor="ctr" anchorCtr="0">
+            <a:noAutofit/>
+          </a:bodyPr>
+          <a:lstStyle/>
+          <a:p>
+            <a:r>
+              <a:rPr lang="en-US" b="1" dirty="0" smtClean="0">
+                <a:solidFill>
+                  <a:srgbClr val="4BB2FF"/>
+                </a:solidFill>
+                <a:latin typeface="Times New Roman" panose="02020603050405020304" pitchFamily="18" charset="0"/>
+                <a:cs typeface="Times New Roman" panose="02020603050405020304" pitchFamily="18" charset="0"/>
+              </a:rPr>
               <a:t>Flow Chart </a:t>
             </a:r>
             <a:endParaRPr dirty="0"/>
@@ -37646,7 +38118,7 @@
 </p:sld>
 </file>
 
-<file path=ppt/slides/slide11.xml><?xml version="1.0" encoding="utf-8"?>
+<file path=ppt/slides/slide12.xml><?xml version="1.0" encoding="utf-8"?>
 <p:sld xmlns:a="http://schemas.openxmlformats.org/drawingml/2006/main" xmlns:r="http://schemas.openxmlformats.org/officeDocument/2006/relationships" xmlns:p="http://schemas.openxmlformats.org/presentationml/2006/main">
   <p:cSld>
     <p:spTree>
@@ -41104,7 +41576,7 @@
 </p:sld>
 </file>
 
-<file path=ppt/slides/slide12.xml><?xml version="1.0" encoding="utf-8"?>
+<file path=ppt/slides/slide13.xml><?xml version="1.0" encoding="utf-8"?>
 <p:sld xmlns:a="http://schemas.openxmlformats.org/drawingml/2006/main" xmlns:r="http://schemas.openxmlformats.org/officeDocument/2006/relationships" xmlns:p="http://schemas.openxmlformats.org/presentationml/2006/main">
   <p:cSld>
     <p:spTree>
@@ -42404,7 +42876,7 @@
 </p:sld>
 </file>
 
-<file path=ppt/slides/slide13.xml><?xml version="1.0" encoding="utf-8"?>
+<file path=ppt/slides/slide14.xml><?xml version="1.0" encoding="utf-8"?>
 <p:sld xmlns:a="http://schemas.openxmlformats.org/drawingml/2006/main" xmlns:r="http://schemas.openxmlformats.org/officeDocument/2006/relationships" xmlns:p="http://schemas.openxmlformats.org/presentationml/2006/main">
   <p:cSld>
     <p:spTree>
@@ -42816,7 +43288,7 @@
 </p:sld>
 </file>
 
-<file path=ppt/slides/slide14.xml><?xml version="1.0" encoding="utf-8"?>
+<file path=ppt/slides/slide15.xml><?xml version="1.0" encoding="utf-8"?>
 <p:sld xmlns:a="http://schemas.openxmlformats.org/drawingml/2006/main" xmlns:r="http://schemas.openxmlformats.org/officeDocument/2006/relationships" xmlns:p="http://schemas.openxmlformats.org/presentationml/2006/main">
   <p:cSld>
     <p:spTree>
@@ -43220,7 +43692,7 @@
 </p:sld>
 </file>
 
-<file path=ppt/slides/slide15.xml><?xml version="1.0" encoding="utf-8"?>
+<file path=ppt/slides/slide16.xml><?xml version="1.0" encoding="utf-8"?>
 <p:sld xmlns:a="http://schemas.openxmlformats.org/drawingml/2006/main" xmlns:r="http://schemas.openxmlformats.org/officeDocument/2006/relationships" xmlns:p="http://schemas.openxmlformats.org/presentationml/2006/main">
   <p:cSld>
     <p:spTree>
@@ -43624,7 +44096,7 @@
 </p:sld>
 </file>
 
-<file path=ppt/slides/slide16.xml><?xml version="1.0" encoding="utf-8"?>
+<file path=ppt/slides/slide17.xml><?xml version="1.0" encoding="utf-8"?>
 <p:sld xmlns:a="http://schemas.openxmlformats.org/drawingml/2006/main" xmlns:r="http://schemas.openxmlformats.org/officeDocument/2006/relationships" xmlns:p="http://schemas.openxmlformats.org/presentationml/2006/main">
   <p:cSld>
     <p:spTree>
@@ -44024,7 +44496,7 @@
 </p:sld>
 </file>
 
-<file path=ppt/slides/slide17.xml><?xml version="1.0" encoding="utf-8"?>
+<file path=ppt/slides/slide18.xml><?xml version="1.0" encoding="utf-8"?>
 <p:sld xmlns:a="http://schemas.openxmlformats.org/drawingml/2006/main" xmlns:r="http://schemas.openxmlformats.org/officeDocument/2006/relationships" xmlns:p="http://schemas.openxmlformats.org/presentationml/2006/main">
   <p:cSld>
     <p:spTree>
@@ -44352,7 +44824,7 @@
 </p:sld>
 </file>
 
-<file path=ppt/slides/slide18.xml><?xml version="1.0" encoding="utf-8"?>
+<file path=ppt/slides/slide19.xml><?xml version="1.0" encoding="utf-8"?>
 <p:sld xmlns:a="http://schemas.openxmlformats.org/drawingml/2006/main" xmlns:r="http://schemas.openxmlformats.org/officeDocument/2006/relationships" xmlns:p="http://schemas.openxmlformats.org/presentationml/2006/main">
   <p:cSld>
     <p:spTree>
@@ -45227,82 +45699,6 @@
 </p:sld>
 </file>
 
-<file path=ppt/slides/slide19.xml><?xml version="1.0" encoding="utf-8"?>
-<p:sld xmlns:a="http://schemas.openxmlformats.org/drawingml/2006/main" xmlns:r="http://schemas.openxmlformats.org/officeDocument/2006/relationships" xmlns:p="http://schemas.openxmlformats.org/presentationml/2006/main">
-  <p:cSld>
-    <p:spTree>
-      <p:nvGrpSpPr>
-        <p:cNvPr id="1" name="Shape 3675"/>
-        <p:cNvGrpSpPr/>
-        <p:nvPr/>
-      </p:nvGrpSpPr>
-      <p:grpSpPr>
-        <a:xfrm>
-          <a:off x="0" y="0"/>
-          <a:ext cx="0" cy="0"/>
-          <a:chOff x="0" y="0"/>
-          <a:chExt cx="0" cy="0"/>
-        </a:xfrm>
-      </p:grpSpPr>
-      <p:sp>
-        <p:nvSpPr>
-          <p:cNvPr id="3677" name="Google Shape;3677;p63"/>
-          <p:cNvSpPr txBox="1">
-            <a:spLocks noGrp="1"/>
-          </p:cNvSpPr>
-          <p:nvPr>
-            <p:ph type="title"/>
-          </p:nvPr>
-        </p:nvSpPr>
-        <p:spPr>
-          <a:xfrm>
-            <a:off x="2518296" y="2600330"/>
-            <a:ext cx="7182925" cy="1393209"/>
-          </a:xfrm>
-          <a:prstGeom prst="rect">
-            <a:avLst/>
-          </a:prstGeom>
-          <a:noFill/>
-          <a:ln>
-            <a:noFill/>
-          </a:ln>
-        </p:spPr>
-        <p:txBody>
-          <a:bodyPr spcFirstLastPara="1" wrap="square" lIns="121900" tIns="121900" rIns="121900" bIns="121900" anchor="b" anchorCtr="0">
-            <a:noAutofit/>
-          </a:bodyPr>
-          <a:lstStyle/>
-          <a:p>
-            <a:pPr algn="just"/>
-            <a:r>
-              <a:rPr lang="en-US" sz="9600" b="1" dirty="0" smtClean="0">
-                <a:latin typeface="Times New Roman" panose="02020603050405020304" pitchFamily="18" charset="0"/>
-                <a:cs typeface="Times New Roman" panose="02020603050405020304" pitchFamily="18" charset="0"/>
-              </a:rPr>
-              <a:t>Thank You</a:t>
-            </a:r>
-            <a:endParaRPr sz="9600" b="1" dirty="0">
-              <a:latin typeface="Times New Roman" panose="02020603050405020304" pitchFamily="18" charset="0"/>
-              <a:cs typeface="Times New Roman" panose="02020603050405020304" pitchFamily="18" charset="0"/>
-            </a:endParaRPr>
-          </a:p>
-        </p:txBody>
-      </p:sp>
-    </p:spTree>
-  </p:cSld>
-  <p:clrMapOvr>
-    <a:masterClrMapping/>
-  </p:clrMapOvr>
-  <p:timing>
-    <p:tnLst>
-      <p:par>
-        <p:cTn id="1" dur="indefinite" restart="never" nodeType="tmRoot"/>
-      </p:par>
-    </p:tnLst>
-  </p:timing>
-</p:sld>
-</file>
-
 <file path=ppt/slides/slide2.xml><?xml version="1.0" encoding="utf-8"?>
 <p:sld xmlns:a="http://schemas.openxmlformats.org/drawingml/2006/main" xmlns:r="http://schemas.openxmlformats.org/officeDocument/2006/relationships" xmlns:p="http://schemas.openxmlformats.org/presentationml/2006/main">
   <p:cSld>
@@ -47229,6 +47625,82 @@
               <a:solidFill>
                 <a:srgbClr val="1C3567"/>
               </a:solidFill>
+              <a:latin typeface="Times New Roman" panose="02020603050405020304" pitchFamily="18" charset="0"/>
+              <a:cs typeface="Times New Roman" panose="02020603050405020304" pitchFamily="18" charset="0"/>
+            </a:endParaRPr>
+          </a:p>
+        </p:txBody>
+      </p:sp>
+    </p:spTree>
+  </p:cSld>
+  <p:clrMapOvr>
+    <a:masterClrMapping/>
+  </p:clrMapOvr>
+  <p:timing>
+    <p:tnLst>
+      <p:par>
+        <p:cTn id="1" dur="indefinite" restart="never" nodeType="tmRoot"/>
+      </p:par>
+    </p:tnLst>
+  </p:timing>
+</p:sld>
+</file>
+
+<file path=ppt/slides/slide20.xml><?xml version="1.0" encoding="utf-8"?>
+<p:sld xmlns:a="http://schemas.openxmlformats.org/drawingml/2006/main" xmlns:r="http://schemas.openxmlformats.org/officeDocument/2006/relationships" xmlns:p="http://schemas.openxmlformats.org/presentationml/2006/main">
+  <p:cSld>
+    <p:spTree>
+      <p:nvGrpSpPr>
+        <p:cNvPr id="1" name="Shape 3675"/>
+        <p:cNvGrpSpPr/>
+        <p:nvPr/>
+      </p:nvGrpSpPr>
+      <p:grpSpPr>
+        <a:xfrm>
+          <a:off x="0" y="0"/>
+          <a:ext cx="0" cy="0"/>
+          <a:chOff x="0" y="0"/>
+          <a:chExt cx="0" cy="0"/>
+        </a:xfrm>
+      </p:grpSpPr>
+      <p:sp>
+        <p:nvSpPr>
+          <p:cNvPr id="3677" name="Google Shape;3677;p63"/>
+          <p:cNvSpPr txBox="1">
+            <a:spLocks noGrp="1"/>
+          </p:cNvSpPr>
+          <p:nvPr>
+            <p:ph type="title"/>
+          </p:nvPr>
+        </p:nvSpPr>
+        <p:spPr>
+          <a:xfrm>
+            <a:off x="2518296" y="2600330"/>
+            <a:ext cx="7182925" cy="1393209"/>
+          </a:xfrm>
+          <a:prstGeom prst="rect">
+            <a:avLst/>
+          </a:prstGeom>
+          <a:noFill/>
+          <a:ln>
+            <a:noFill/>
+          </a:ln>
+        </p:spPr>
+        <p:txBody>
+          <a:bodyPr spcFirstLastPara="1" wrap="square" lIns="121900" tIns="121900" rIns="121900" bIns="121900" anchor="b" anchorCtr="0">
+            <a:noAutofit/>
+          </a:bodyPr>
+          <a:lstStyle/>
+          <a:p>
+            <a:pPr algn="just"/>
+            <a:r>
+              <a:rPr lang="en-US" sz="9600" b="1" dirty="0" smtClean="0">
+                <a:latin typeface="Times New Roman" panose="02020603050405020304" pitchFamily="18" charset="0"/>
+                <a:cs typeface="Times New Roman" panose="02020603050405020304" pitchFamily="18" charset="0"/>
+              </a:rPr>
+              <a:t>Thank You</a:t>
+            </a:r>
+            <a:endParaRPr sz="9600" b="1" dirty="0">
               <a:latin typeface="Times New Roman" panose="02020603050405020304" pitchFamily="18" charset="0"/>
               <a:cs typeface="Times New Roman" panose="02020603050405020304" pitchFamily="18" charset="0"/>
             </a:endParaRPr>
@@ -50018,7 +50490,7 @@
                 <a:latin typeface="Times New Roman" panose="02020603050405020304" pitchFamily="18" charset="0"/>
                 <a:cs typeface="Times New Roman" panose="02020603050405020304" pitchFamily="18" charset="0"/>
               </a:rPr>
-              <a:t>The proposed system is a web application that allows users to get instant guidance on their health issues. The system allows users to share their symptoms and issues. Then the system processes user’s symptoms to check for various illnesses that could be associated with it.</a:t>
+              <a:t>The proposed system is a web application that allows users to get instant guidance on their health issues. The system allows users to share their symptoms and issues. Then the system processes user’s symptoms to check for various illnesses that could be associated with it. For accurate result, we have prepare a dataset for specific diseases. Then the dataset is trained well to predict a disease with a great percentage of accuracy. </a:t>
             </a:r>
             <a:endParaRPr sz="2400" dirty="0">
               <a:solidFill>
@@ -50253,7 +50725,7 @@
         </p:nvSpPr>
         <p:spPr>
           <a:xfrm>
-            <a:off x="960000" y="593367"/>
+            <a:off x="940315" y="634007"/>
             <a:ext cx="10272000" cy="763600"/>
           </a:xfrm>
           <a:prstGeom prst="rect">
@@ -50392,64 +50864,12 @@
       </p:pic>
       <p:pic>
         <p:nvPicPr>
-          <p:cNvPr id="22" name="Picture 21"/>
+          <p:cNvPr id="23" name="Picture 22"/>
           <p:cNvPicPr/>
           <p:nvPr/>
         </p:nvPicPr>
         <p:blipFill>
           <a:blip r:embed="rId3" cstate="print">
-            <a:extLst>
-              <a:ext uri="{28A0092B-C50C-407E-A947-70E740481C1C}">
-                <a14:useLocalDpi xmlns:a14="http://schemas.microsoft.com/office/drawing/2010/main" val="0"/>
-              </a:ext>
-            </a:extLst>
-          </a:blip>
-          <a:stretch>
-            <a:fillRect/>
-          </a:stretch>
-        </p:blipFill>
-        <p:spPr>
-          <a:xfrm>
-            <a:off x="6803558" y="1851541"/>
-            <a:ext cx="1655064" cy="1499616"/>
-          </a:xfrm>
-          <a:prstGeom prst="roundRect">
-            <a:avLst>
-              <a:gd name="adj" fmla="val 16667"/>
-            </a:avLst>
-          </a:prstGeom>
-          <a:ln>
-            <a:noFill/>
-          </a:ln>
-          <a:effectLst>
-            <a:outerShdw blurRad="76200" dist="38100" dir="7800000" algn="tl" rotWithShape="0">
-              <a:srgbClr val="000000">
-                <a:alpha val="40000"/>
-              </a:srgbClr>
-            </a:outerShdw>
-          </a:effectLst>
-          <a:scene3d>
-            <a:camera prst="orthographicFront"/>
-            <a:lightRig rig="contrasting" dir="t">
-              <a:rot lat="0" lon="0" rev="4200000"/>
-            </a:lightRig>
-          </a:scene3d>
-          <a:sp3d prstMaterial="plastic">
-            <a:bevelT w="381000" h="114300" prst="relaxedInset"/>
-            <a:contourClr>
-              <a:srgbClr val="969696"/>
-            </a:contourClr>
-          </a:sp3d>
-        </p:spPr>
-      </p:pic>
-      <p:pic>
-        <p:nvPicPr>
-          <p:cNvPr id="23" name="Picture 22"/>
-          <p:cNvPicPr/>
-          <p:nvPr/>
-        </p:nvPicPr>
-        <p:blipFill>
-          <a:blip r:embed="rId4" cstate="print">
             <a:extLst>
               <a:ext uri="{28A0092B-C50C-407E-A947-70E740481C1C}">
                 <a14:useLocalDpi xmlns:a14="http://schemas.microsoft.com/office/drawing/2010/main" val="0"/>
@@ -50597,8 +51017,8 @@
         </p:nvSpPr>
         <p:spPr>
           <a:xfrm>
-            <a:off x="8717525" y="2185850"/>
-            <a:ext cx="3000375" cy="830997"/>
+            <a:off x="8717280" y="1979930"/>
+            <a:ext cx="3000375" cy="1198880"/>
           </a:xfrm>
           <a:prstGeom prst="rect">
             <a:avLst/>
@@ -50621,9 +51041,9 @@
                 <a:latin typeface="Times New Roman" panose="02020603050405020304" pitchFamily="18" charset="0"/>
                 <a:cs typeface="Times New Roman" panose="02020603050405020304" pitchFamily="18" charset="0"/>
               </a:rPr>
-              <a:t>Users can chat with doctors</a:t>
+              <a:t>Machine Learning for accurate disease prediction</a:t>
             </a:r>
-            <a:endParaRPr lang="en-US" sz="2400" dirty="0">
+            <a:endParaRPr lang="en-US" sz="2400" dirty="0" smtClean="0">
               <a:solidFill>
                 <a:schemeClr val="tx2">
                   <a:lumMod val="10000"/>
@@ -50858,6 +51278,54 @@
           </a:p>
         </p:txBody>
       </p:sp>
+      <p:pic>
+        <p:nvPicPr>
+          <p:cNvPr id="3" name="Picture 2"/>
+          <p:cNvPicPr>
+            <a:picLocks noChangeAspect="1"/>
+          </p:cNvPicPr>
+          <p:nvPr/>
+        </p:nvPicPr>
+        <p:blipFill>
+          <a:blip r:embed="rId4"/>
+          <a:stretch>
+            <a:fillRect/>
+          </a:stretch>
+        </p:blipFill>
+        <p:spPr>
+          <a:xfrm>
+            <a:off x="6803390" y="1850390"/>
+            <a:ext cx="1672590" cy="1501775"/>
+          </a:xfrm>
+          <a:prstGeom prst="rect">
+            <a:avLst/>
+          </a:prstGeom>
+        </p:spPr>
+      </p:pic>
+      <p:pic>
+        <p:nvPicPr>
+          <p:cNvPr id="4" name="Picture 3" descr="neural"/>
+          <p:cNvPicPr>
+            <a:picLocks noChangeAspect="1"/>
+          </p:cNvPicPr>
+          <p:nvPr/>
+        </p:nvPicPr>
+        <p:blipFill>
+          <a:blip r:embed="rId5"/>
+          <a:stretch>
+            <a:fillRect/>
+          </a:stretch>
+        </p:blipFill>
+        <p:spPr>
+          <a:xfrm>
+            <a:off x="6937375" y="1911985"/>
+            <a:ext cx="1537970" cy="1378585"/>
+          </a:xfrm>
+          <a:prstGeom prst="rect">
+            <a:avLst/>
+          </a:prstGeom>
+        </p:spPr>
+      </p:pic>
     </p:spTree>
   </p:cSld>
   <p:clrMapOvr>
@@ -50878,454 +51346,44 @@
   <p:cSld>
     <p:spTree>
       <p:nvGrpSpPr>
-        <p:cNvPr id="1" name="Shape 1014"/>
+        <p:cNvPr id="1" name=""/>
         <p:cNvGrpSpPr/>
         <p:nvPr/>
       </p:nvGrpSpPr>
-      <p:grpSpPr>
-        <a:xfrm>
-          <a:off x="0" y="0"/>
-          <a:ext cx="0" cy="0"/>
-          <a:chOff x="0" y="0"/>
-          <a:chExt cx="0" cy="0"/>
-        </a:xfrm>
-      </p:grpSpPr>
+      <p:grpSpPr/>
       <p:sp>
         <p:nvSpPr>
-          <p:cNvPr id="1015" name="Google Shape;1015;p37"/>
-          <p:cNvSpPr txBox="1">
+          <p:cNvPr id="2" name="Title 1"/>
+          <p:cNvSpPr>
             <a:spLocks noGrp="1"/>
           </p:cNvSpPr>
           <p:nvPr>
             <p:ph type="title"/>
           </p:nvPr>
         </p:nvSpPr>
-        <p:spPr>
-          <a:xfrm>
-            <a:off x="960000" y="593367"/>
-            <a:ext cx="10272000" cy="763600"/>
-          </a:xfrm>
-          <a:prstGeom prst="rect">
-            <a:avLst/>
-          </a:prstGeom>
-          <a:noFill/>
-          <a:ln>
-            <a:noFill/>
-          </a:ln>
-        </p:spPr>
+        <p:spPr/>
         <p:txBody>
-          <a:bodyPr spcFirstLastPara="1" wrap="square" lIns="121900" tIns="121900" rIns="121900" bIns="121900" anchor="ctr" anchorCtr="0">
-            <a:noAutofit/>
-          </a:bodyPr>
-          <a:lstStyle/>
+          <a:bodyPr/>
           <a:p>
-            <a:r>
-              <a:rPr lang="en-US" b="1" dirty="0" smtClean="0">
-                <a:solidFill>
-                  <a:srgbClr val="4BB2FF"/>
-                </a:solidFill>
-                <a:latin typeface="Times New Roman" panose="02020603050405020304" pitchFamily="18" charset="0"/>
-                <a:cs typeface="Times New Roman" panose="02020603050405020304" pitchFamily="18" charset="0"/>
-              </a:rPr>
-              <a:t>Software Requirements </a:t>
-            </a:r>
-            <a:endParaRPr dirty="0"/>
+            <a:endParaRPr lang="en-US"/>
           </a:p>
         </p:txBody>
       </p:sp>
       <p:sp>
         <p:nvSpPr>
-          <p:cNvPr id="1016" name="Google Shape;1016;p37"/>
-          <p:cNvSpPr txBox="1">
+          <p:cNvPr id="3" name="Text Placeholder 2"/>
+          <p:cNvSpPr>
             <a:spLocks noGrp="1"/>
           </p:cNvSpPr>
           <p:nvPr>
             <p:ph type="body" idx="1"/>
           </p:nvPr>
         </p:nvSpPr>
-        <p:spPr>
-          <a:xfrm>
-            <a:off x="960000" y="1536633"/>
-            <a:ext cx="10272000" cy="4555200"/>
-          </a:xfrm>
-          <a:prstGeom prst="rect">
-            <a:avLst/>
-          </a:prstGeom>
-          <a:noFill/>
-          <a:ln>
-            <a:noFill/>
-          </a:ln>
-        </p:spPr>
-        <p:txBody>
-          <a:bodyPr spcFirstLastPara="1" wrap="square" lIns="121900" tIns="121900" rIns="121900" bIns="121900" anchor="t" anchorCtr="0">
-            <a:noAutofit/>
-          </a:bodyPr>
-          <a:lstStyle/>
-          <a:p>
-            <a:pPr marL="342900" indent="-342900" algn="just">
-              <a:buFont typeface="Wingdings" panose="05000000000000000000" pitchFamily="2" charset="2"/>
-              <a:buChar char="q"/>
-            </a:pPr>
-            <a:r>
-              <a:rPr lang="en-US" sz="2400" b="1" dirty="0" smtClean="0">
-                <a:solidFill>
-                  <a:schemeClr val="tx2">
-                    <a:lumMod val="10000"/>
-                  </a:schemeClr>
-                </a:solidFill>
-                <a:latin typeface="Times New Roman" panose="02020603050405020304" pitchFamily="18" charset="0"/>
-                <a:cs typeface="Times New Roman" panose="02020603050405020304" pitchFamily="18" charset="0"/>
-              </a:rPr>
-              <a:t>Front End : </a:t>
-            </a:r>
-            <a:r>
-              <a:rPr lang="en-US" sz="2400" dirty="0" smtClean="0">
-                <a:solidFill>
-                  <a:schemeClr val="tx2">
-                    <a:lumMod val="10000"/>
-                  </a:schemeClr>
-                </a:solidFill>
-                <a:latin typeface="Times New Roman" panose="02020603050405020304" pitchFamily="18" charset="0"/>
-                <a:cs typeface="Times New Roman" panose="02020603050405020304" pitchFamily="18" charset="0"/>
-              </a:rPr>
-              <a:t>HTML, CSS, JavaScript</a:t>
-            </a:r>
-            <a:endParaRPr lang="en-US" sz="2400" dirty="0" smtClean="0">
-              <a:solidFill>
-                <a:schemeClr val="tx2">
-                  <a:lumMod val="10000"/>
-                </a:schemeClr>
-              </a:solidFill>
-              <a:latin typeface="Times New Roman" panose="02020603050405020304" pitchFamily="18" charset="0"/>
-              <a:cs typeface="Times New Roman" panose="02020603050405020304" pitchFamily="18" charset="0"/>
-            </a:endParaRPr>
-          </a:p>
-          <a:p>
-            <a:pPr marL="342900" indent="-342900" algn="just">
-              <a:lnSpc>
-                <a:spcPct val="150000"/>
-              </a:lnSpc>
-              <a:buFont typeface="Wingdings" panose="05000000000000000000" pitchFamily="2" charset="2"/>
-              <a:buChar char="q"/>
-            </a:pPr>
-            <a:r>
-              <a:rPr lang="en-US" sz="2400" b="1" dirty="0" smtClean="0">
-                <a:solidFill>
-                  <a:schemeClr val="tx2">
-                    <a:lumMod val="10000"/>
-                  </a:schemeClr>
-                </a:solidFill>
-                <a:latin typeface="Times New Roman" panose="02020603050405020304" pitchFamily="18" charset="0"/>
-                <a:cs typeface="Times New Roman" panose="02020603050405020304" pitchFamily="18" charset="0"/>
-              </a:rPr>
-              <a:t>Back End : </a:t>
-            </a:r>
-            <a:r>
-              <a:rPr lang="en-US" sz="2400" dirty="0" smtClean="0">
-                <a:solidFill>
-                  <a:schemeClr val="tx2">
-                    <a:lumMod val="10000"/>
-                  </a:schemeClr>
-                </a:solidFill>
-                <a:latin typeface="Times New Roman" panose="02020603050405020304" pitchFamily="18" charset="0"/>
-                <a:cs typeface="Times New Roman" panose="02020603050405020304" pitchFamily="18" charset="0"/>
-              </a:rPr>
-              <a:t>Python, C#</a:t>
-            </a:r>
-            <a:endParaRPr lang="en-US" sz="2400" dirty="0" smtClean="0">
-              <a:solidFill>
-                <a:schemeClr val="tx2">
-                  <a:lumMod val="10000"/>
-                </a:schemeClr>
-              </a:solidFill>
-              <a:latin typeface="Times New Roman" panose="02020603050405020304" pitchFamily="18" charset="0"/>
-              <a:cs typeface="Times New Roman" panose="02020603050405020304" pitchFamily="18" charset="0"/>
-            </a:endParaRPr>
-          </a:p>
-          <a:p>
-            <a:pPr marL="342900" indent="-342900" algn="just">
-              <a:lnSpc>
-                <a:spcPct val="150000"/>
-              </a:lnSpc>
-              <a:buFont typeface="Wingdings" panose="05000000000000000000" pitchFamily="2" charset="2"/>
-              <a:buChar char="q"/>
-            </a:pPr>
-            <a:r>
-              <a:rPr lang="en-US" sz="2400" b="1" dirty="0" smtClean="0">
-                <a:solidFill>
-                  <a:schemeClr val="tx2">
-                    <a:lumMod val="10000"/>
-                  </a:schemeClr>
-                </a:solidFill>
-                <a:latin typeface="Times New Roman" panose="02020603050405020304" pitchFamily="18" charset="0"/>
-                <a:cs typeface="Times New Roman" panose="02020603050405020304" pitchFamily="18" charset="0"/>
-              </a:rPr>
-              <a:t>Database : </a:t>
-            </a:r>
-            <a:r>
-              <a:rPr lang="en-US" sz="2400" dirty="0" smtClean="0">
-                <a:solidFill>
-                  <a:schemeClr val="tx2">
-                    <a:lumMod val="10000"/>
-                  </a:schemeClr>
-                </a:solidFill>
-                <a:latin typeface="Times New Roman" panose="02020603050405020304" pitchFamily="18" charset="0"/>
-                <a:cs typeface="Times New Roman" panose="02020603050405020304" pitchFamily="18" charset="0"/>
-              </a:rPr>
-              <a:t>MySql</a:t>
-            </a:r>
-            <a:endParaRPr lang="en-US" sz="2400" b="1" dirty="0">
-              <a:solidFill>
-                <a:schemeClr val="tx2">
-                  <a:lumMod val="10000"/>
-                </a:schemeClr>
-              </a:solidFill>
-              <a:latin typeface="Times New Roman" panose="02020603050405020304" pitchFamily="18" charset="0"/>
-              <a:cs typeface="Times New Roman" panose="02020603050405020304" pitchFamily="18" charset="0"/>
-            </a:endParaRPr>
-          </a:p>
-          <a:p>
-            <a:pPr marL="342900" indent="-342900" algn="just">
-              <a:lnSpc>
-                <a:spcPct val="150000"/>
-              </a:lnSpc>
-              <a:buFont typeface="Wingdings" panose="05000000000000000000" pitchFamily="2" charset="2"/>
-              <a:buChar char="q"/>
-            </a:pPr>
-            <a:r>
-              <a:rPr lang="en-US" sz="2400" b="1" dirty="0" smtClean="0">
-                <a:solidFill>
-                  <a:schemeClr val="tx2">
-                    <a:lumMod val="10000"/>
-                  </a:schemeClr>
-                </a:solidFill>
-                <a:latin typeface="Times New Roman" panose="02020603050405020304" pitchFamily="18" charset="0"/>
-                <a:cs typeface="Times New Roman" panose="02020603050405020304" pitchFamily="18" charset="0"/>
-              </a:rPr>
-              <a:t>Tools : </a:t>
-            </a:r>
-            <a:r>
-              <a:rPr lang="en-US" sz="2400" dirty="0" smtClean="0">
-                <a:solidFill>
-                  <a:schemeClr val="tx2">
-                    <a:lumMod val="10000"/>
-                  </a:schemeClr>
-                </a:solidFill>
-                <a:latin typeface="Times New Roman" panose="02020603050405020304" pitchFamily="18" charset="0"/>
-                <a:cs typeface="Times New Roman" panose="02020603050405020304" pitchFamily="18" charset="0"/>
-              </a:rPr>
-              <a:t>Visual Studio Code, </a:t>
-            </a:r>
-            <a:r>
-              <a:rPr lang="en-US" sz="2400" dirty="0" err="1" smtClean="0">
-                <a:solidFill>
-                  <a:schemeClr val="tx2">
-                    <a:lumMod val="10000"/>
-                  </a:schemeClr>
-                </a:solidFill>
-                <a:latin typeface="Times New Roman" panose="02020603050405020304" pitchFamily="18" charset="0"/>
-                <a:cs typeface="Times New Roman" panose="02020603050405020304" pitchFamily="18" charset="0"/>
-              </a:rPr>
-              <a:t>Pycharm</a:t>
-            </a:r>
-            <a:r>
-              <a:rPr lang="en-US" sz="2400" dirty="0" smtClean="0">
-                <a:solidFill>
-                  <a:schemeClr val="tx2">
-                    <a:lumMod val="10000"/>
-                  </a:schemeClr>
-                </a:solidFill>
-                <a:latin typeface="Times New Roman" panose="02020603050405020304" pitchFamily="18" charset="0"/>
-                <a:cs typeface="Times New Roman" panose="02020603050405020304" pitchFamily="18" charset="0"/>
-              </a:rPr>
-              <a:t> IDE</a:t>
-            </a:r>
-            <a:endParaRPr sz="2400" dirty="0">
-              <a:solidFill>
-                <a:schemeClr val="tx2">
-                  <a:lumMod val="10000"/>
-                </a:schemeClr>
-              </a:solidFill>
-              <a:latin typeface="Times New Roman" panose="02020603050405020304" pitchFamily="18" charset="0"/>
-              <a:cs typeface="Times New Roman" panose="02020603050405020304" pitchFamily="18" charset="0"/>
-            </a:endParaRPr>
-          </a:p>
-        </p:txBody>
-      </p:sp>
-      <p:sp>
-        <p:nvSpPr>
-          <p:cNvPr id="4" name="TextBox 3"/>
-          <p:cNvSpPr txBox="1"/>
-          <p:nvPr/>
-        </p:nvSpPr>
-        <p:spPr>
-          <a:xfrm>
-            <a:off x="3753134" y="6446464"/>
-            <a:ext cx="4722126" cy="369332"/>
-          </a:xfrm>
-          <a:prstGeom prst="rect">
-            <a:avLst/>
-          </a:prstGeom>
-          <a:noFill/>
-        </p:spPr>
-        <p:txBody>
-          <a:bodyPr wrap="square" rtlCol="0">
-            <a:spAutoFit/>
-          </a:bodyPr>
-          <a:lstStyle/>
-          <a:p>
-            <a:pPr algn="ctr" defTabSz="457200"/>
-            <a:r>
-              <a:rPr lang="de-DE" dirty="0" smtClean="0">
-                <a:solidFill>
-                  <a:srgbClr val="1C3567"/>
-                </a:solidFill>
-                <a:latin typeface="Times New Roman" panose="02020603050405020304" pitchFamily="18" charset="0"/>
-                <a:cs typeface="Times New Roman" panose="02020603050405020304" pitchFamily="18" charset="0"/>
-              </a:rPr>
-              <a:t>Medico</a:t>
-            </a:r>
-            <a:endParaRPr lang="en-US" dirty="0">
-              <a:solidFill>
-                <a:srgbClr val="1C3567"/>
-              </a:solidFill>
-              <a:latin typeface="Times New Roman" panose="02020603050405020304" pitchFamily="18" charset="0"/>
-              <a:cs typeface="Times New Roman" panose="02020603050405020304" pitchFamily="18" charset="0"/>
-            </a:endParaRPr>
-          </a:p>
-        </p:txBody>
-      </p:sp>
-      <p:sp>
-        <p:nvSpPr>
-          <p:cNvPr id="5" name="Slide Number Placeholder 20"/>
-          <p:cNvSpPr txBox="1"/>
-          <p:nvPr/>
-        </p:nvSpPr>
-        <p:spPr>
-          <a:xfrm>
-            <a:off x="9900458" y="6459785"/>
-            <a:ext cx="1312025" cy="365125"/>
-          </a:xfrm>
-          <a:prstGeom prst="rect">
-            <a:avLst/>
-          </a:prstGeom>
-        </p:spPr>
+        <p:spPr/>
         <p:txBody>
           <a:bodyPr/>
-          <a:lstStyle>
-            <a:defPPr>
-              <a:defRPr lang="en-US"/>
-            </a:defPPr>
-            <a:lvl1pPr marL="0" algn="l" defTabSz="914400" rtl="0" eaLnBrk="1" latinLnBrk="0" hangingPunct="1">
-              <a:defRPr sz="1800" kern="1200">
-                <a:solidFill>
-                  <a:schemeClr val="tx1"/>
-                </a:solidFill>
-                <a:latin typeface="+mn-lt"/>
-                <a:ea typeface="+mn-ea"/>
-                <a:cs typeface="+mn-cs"/>
-              </a:defRPr>
-            </a:lvl1pPr>
-            <a:lvl2pPr marL="457200" algn="l" defTabSz="914400" rtl="0" eaLnBrk="1" latinLnBrk="0" hangingPunct="1">
-              <a:defRPr sz="1800" kern="1200">
-                <a:solidFill>
-                  <a:schemeClr val="tx1"/>
-                </a:solidFill>
-                <a:latin typeface="+mn-lt"/>
-                <a:ea typeface="+mn-ea"/>
-                <a:cs typeface="+mn-cs"/>
-              </a:defRPr>
-            </a:lvl2pPr>
-            <a:lvl3pPr marL="914400" algn="l" defTabSz="914400" rtl="0" eaLnBrk="1" latinLnBrk="0" hangingPunct="1">
-              <a:defRPr sz="1800" kern="1200">
-                <a:solidFill>
-                  <a:schemeClr val="tx1"/>
-                </a:solidFill>
-                <a:latin typeface="+mn-lt"/>
-                <a:ea typeface="+mn-ea"/>
-                <a:cs typeface="+mn-cs"/>
-              </a:defRPr>
-            </a:lvl3pPr>
-            <a:lvl4pPr marL="1371600" algn="l" defTabSz="914400" rtl="0" eaLnBrk="1" latinLnBrk="0" hangingPunct="1">
-              <a:defRPr sz="1800" kern="1200">
-                <a:solidFill>
-                  <a:schemeClr val="tx1"/>
-                </a:solidFill>
-                <a:latin typeface="+mn-lt"/>
-                <a:ea typeface="+mn-ea"/>
-                <a:cs typeface="+mn-cs"/>
-              </a:defRPr>
-            </a:lvl4pPr>
-            <a:lvl5pPr marL="1828800" algn="l" defTabSz="914400" rtl="0" eaLnBrk="1" latinLnBrk="0" hangingPunct="1">
-              <a:defRPr sz="1800" kern="1200">
-                <a:solidFill>
-                  <a:schemeClr val="tx1"/>
-                </a:solidFill>
-                <a:latin typeface="+mn-lt"/>
-                <a:ea typeface="+mn-ea"/>
-                <a:cs typeface="+mn-cs"/>
-              </a:defRPr>
-            </a:lvl5pPr>
-            <a:lvl6pPr marL="2286000" algn="l" defTabSz="914400" rtl="0" eaLnBrk="1" latinLnBrk="0" hangingPunct="1">
-              <a:defRPr sz="1800" kern="1200">
-                <a:solidFill>
-                  <a:schemeClr val="tx1"/>
-                </a:solidFill>
-                <a:latin typeface="+mn-lt"/>
-                <a:ea typeface="+mn-ea"/>
-                <a:cs typeface="+mn-cs"/>
-              </a:defRPr>
-            </a:lvl6pPr>
-            <a:lvl7pPr marL="2743200" algn="l" defTabSz="914400" rtl="0" eaLnBrk="1" latinLnBrk="0" hangingPunct="1">
-              <a:defRPr sz="1800" kern="1200">
-                <a:solidFill>
-                  <a:schemeClr val="tx1"/>
-                </a:solidFill>
-                <a:latin typeface="+mn-lt"/>
-                <a:ea typeface="+mn-ea"/>
-                <a:cs typeface="+mn-cs"/>
-              </a:defRPr>
-            </a:lvl7pPr>
-            <a:lvl8pPr marL="3200400" algn="l" defTabSz="914400" rtl="0" eaLnBrk="1" latinLnBrk="0" hangingPunct="1">
-              <a:defRPr sz="1800" kern="1200">
-                <a:solidFill>
-                  <a:schemeClr val="tx1"/>
-                </a:solidFill>
-                <a:latin typeface="+mn-lt"/>
-                <a:ea typeface="+mn-ea"/>
-                <a:cs typeface="+mn-cs"/>
-              </a:defRPr>
-            </a:lvl8pPr>
-            <a:lvl9pPr marL="3657600" algn="l" defTabSz="914400" rtl="0" eaLnBrk="1" latinLnBrk="0" hangingPunct="1">
-              <a:defRPr sz="1800" kern="1200">
-                <a:solidFill>
-                  <a:schemeClr val="tx1"/>
-                </a:solidFill>
-                <a:latin typeface="+mn-lt"/>
-                <a:ea typeface="+mn-ea"/>
-                <a:cs typeface="+mn-cs"/>
-              </a:defRPr>
-            </a:lvl9pPr>
-          </a:lstStyle>
           <a:p>
-            <a:pPr algn="r"/>
-            <a:r>
-              <a:rPr lang="en-US" dirty="0" smtClean="0">
-                <a:solidFill>
-                  <a:srgbClr val="1C3567"/>
-                </a:solidFill>
-                <a:latin typeface="Times New Roman" panose="02020603050405020304" pitchFamily="18" charset="0"/>
-                <a:cs typeface="Times New Roman" panose="02020603050405020304" pitchFamily="18" charset="0"/>
-              </a:rPr>
-              <a:t>07</a:t>
-            </a:r>
-            <a:endParaRPr lang="en-US" dirty="0">
-              <a:solidFill>
-                <a:srgbClr val="1C3567"/>
-              </a:solidFill>
-              <a:latin typeface="Times New Roman" panose="02020603050405020304" pitchFamily="18" charset="0"/>
-              <a:cs typeface="Times New Roman" panose="02020603050405020304" pitchFamily="18" charset="0"/>
-            </a:endParaRPr>
+            <a:endParaRPr lang="en-US"/>
           </a:p>
         </p:txBody>
       </p:sp>
@@ -51334,13 +51392,6 @@
   <p:clrMapOvr>
     <a:masterClrMapping/>
   </p:clrMapOvr>
-  <p:timing>
-    <p:tnLst>
-      <p:par>
-        <p:cTn id="1" dur="indefinite" restart="never" nodeType="tmRoot"/>
-      </p:par>
-    </p:tnLst>
-  </p:timing>
 </p:sld>
 </file>
 
